--- a/presentation.pptx
+++ b/presentation.pptx
@@ -3264,7 +3264,7 @@
       </p:sp>
       <p:pic>
         <p:nvPicPr>
-          <p:cNvPr descr="fig:  /Users/hwong23/Downloads/tmpr/hvmd/02n.a1.hvppt.png" id="0" name="Picture 1"/>
+          <p:cNvPr descr="fig:  /Users/hwo/Downloads/tmpr/hvmd/02n.a1.hvppt.png" id="0" name="Picture 1"/>
           <p:cNvPicPr>
             <a:picLocks noGrp="1" noChangeAspect="1"/>
           </p:cNvPicPr>
